--- a/skaidres/04_JS.pptx
+++ b/skaidres/04_JS.pptx
@@ -6697,7 +6697,85 @@
                 <a:latin typeface="Arial"/>
                 <a:ea typeface="Arial"/>
               </a:rPr>
-              <a:t>break;</a:t>
+              <a:t>Break;</a:t>
+            </a:r>
+            <a:endParaRPr b="0" lang="lt-LT" sz="1800" spc="-1" strike="noStrike">
+              <a:solidFill>
+                <a:srgbClr val="000000"/>
+              </a:solidFill>
+              <a:uFill>
+                <a:solidFill>
+                  <a:srgbClr val="ffffff"/>
+                </a:solidFill>
+              </a:uFill>
+              <a:latin typeface="Arial"/>
+            </a:endParaRPr>
+          </a:p>
+          <a:p>
+            <a:pPr marL="216000" indent="-215640">
+              <a:lnSpc>
+                <a:spcPct val="100000"/>
+              </a:lnSpc>
+              <a:buClr>
+                <a:srgbClr val="000000"/>
+              </a:buClr>
+              <a:buSzPct val="45000"/>
+              <a:buFont typeface="Wingdings" charset="2"/>
+              <a:buChar char=""/>
+            </a:pPr>
+            <a:r>
+              <a:rPr b="0" lang="lt-LT" sz="1400" spc="-1" strike="noStrike">
+                <a:solidFill>
+                  <a:srgbClr val="000000"/>
+                </a:solidFill>
+                <a:uFill>
+                  <a:solidFill>
+                    <a:srgbClr val="ffffff"/>
+                  </a:solidFill>
+                </a:uFill>
+                <a:latin typeface="Arial"/>
+                <a:ea typeface="Arial"/>
+              </a:rPr>
+              <a:t> </a:t>
+            </a:r>
+            <a:endParaRPr b="0" lang="lt-LT" sz="1800" spc="-1" strike="noStrike">
+              <a:solidFill>
+                <a:srgbClr val="000000"/>
+              </a:solidFill>
+              <a:uFill>
+                <a:solidFill>
+                  <a:srgbClr val="ffffff"/>
+                </a:solidFill>
+              </a:uFill>
+              <a:latin typeface="Arial"/>
+            </a:endParaRPr>
+          </a:p>
+          <a:p>
+            <a:pPr marL="216000" indent="-215640">
+              <a:lnSpc>
+                <a:spcPct val="100000"/>
+              </a:lnSpc>
+              <a:buClr>
+                <a:srgbClr val="000000"/>
+              </a:buClr>
+              <a:buSzPct val="45000"/>
+              <a:buFont typeface="Wingdings" charset="2"/>
+              <a:buChar char=""/>
+            </a:pPr>
+            <a:r>
+              <a:rPr b="0" lang="lt-LT" sz="1400" spc="-1" strike="noStrike">
+                <a:solidFill>
+                  <a:srgbClr val="000000"/>
+                </a:solidFill>
+                <a:uFill>
+                  <a:solidFill>
+                    <a:srgbClr val="ffffff"/>
+                  </a:solidFill>
+                </a:uFill>
+                <a:latin typeface="Arial"/>
+                <a:ea typeface="Arial"/>
+              </a:rPr>
+              <a:t>Ciklo tęsimui continue</a:t>
             </a:r>
             <a:endParaRPr b="0" lang="lt-LT" sz="1800" spc="-1" strike="noStrike">
               <a:solidFill>
